--- a/Presentations/1a - Java lang.pptx
+++ b/Presentations/1a - Java lang.pptx
@@ -11606,6 +11606,13 @@
   <p:transition spd="slow">
     <p:cut/>
   </p:transition>
+  <p:timing>
+    <p:tnLst>
+      <p:par>
+        <p:cTn id="1" dur="indefinite" restart="never" nodeType="tmRoot"/>
+      </p:par>
+    </p:tnLst>
+  </p:timing>
 </p:sld>
 </file>
 
@@ -11986,6 +11993,13 @@
   <p:transition spd="slow">
     <p:cut/>
   </p:transition>
+  <p:timing>
+    <p:tnLst>
+      <p:par>
+        <p:cTn id="1" dur="indefinite" restart="never" nodeType="tmRoot"/>
+      </p:par>
+    </p:tnLst>
+  </p:timing>
 </p:sld>
 </file>
 
@@ -12366,6 +12380,13 @@
   <p:transition spd="slow">
     <p:cut/>
   </p:transition>
+  <p:timing>
+    <p:tnLst>
+      <p:par>
+        <p:cTn id="1" dur="indefinite" restart="never" nodeType="tmRoot"/>
+      </p:par>
+    </p:tnLst>
+  </p:timing>
 </p:sld>
 </file>
 
@@ -12803,6 +12824,13 @@
   <p:transition spd="slow">
     <p:cut/>
   </p:transition>
+  <p:timing>
+    <p:tnLst>
+      <p:par>
+        <p:cTn id="1" dur="indefinite" restart="never" nodeType="tmRoot"/>
+      </p:par>
+    </p:tnLst>
+  </p:timing>
 </p:sld>
 </file>
 
@@ -13297,6 +13325,13 @@
   <p:transition spd="slow">
     <p:cut/>
   </p:transition>
+  <p:timing>
+    <p:tnLst>
+      <p:par>
+        <p:cTn id="1" dur="indefinite" restart="never" nodeType="tmRoot"/>
+      </p:par>
+    </p:tnLst>
+  </p:timing>
 </p:sld>
 </file>
 
@@ -13848,6 +13883,13 @@
   <p:transition spd="slow">
     <p:cut/>
   </p:transition>
+  <p:timing>
+    <p:tnLst>
+      <p:par>
+        <p:cTn id="1" dur="indefinite" restart="never" nodeType="tmRoot"/>
+      </p:par>
+    </p:tnLst>
+  </p:timing>
 </p:sld>
 </file>
 
@@ -14641,6 +14683,13 @@
   <p:transition spd="slow">
     <p:cut/>
   </p:transition>
+  <p:timing>
+    <p:tnLst>
+      <p:par>
+        <p:cTn id="1" dur="indefinite" restart="never" nodeType="tmRoot"/>
+      </p:par>
+    </p:tnLst>
+  </p:timing>
 </p:sld>
 </file>
 
@@ -15248,6 +15297,13 @@
   <p:transition spd="slow">
     <p:cut/>
   </p:transition>
+  <p:timing>
+    <p:tnLst>
+      <p:par>
+        <p:cTn id="1" dur="indefinite" restart="never" nodeType="tmRoot"/>
+      </p:par>
+    </p:tnLst>
+  </p:timing>
 </p:sld>
 </file>
 
@@ -15611,6 +15667,13 @@
   <p:transition spd="slow">
     <p:cut/>
   </p:transition>
+  <p:timing>
+    <p:tnLst>
+      <p:par>
+        <p:cTn id="1" dur="indefinite" restart="never" nodeType="tmRoot"/>
+      </p:par>
+    </p:tnLst>
+  </p:timing>
 </p:sld>
 </file>
 
@@ -16247,6 +16310,13 @@
   <p:transition spd="slow">
     <p:cut/>
   </p:transition>
+  <p:timing>
+    <p:tnLst>
+      <p:par>
+        <p:cTn id="1" dur="indefinite" restart="never" nodeType="tmRoot"/>
+      </p:par>
+    </p:tnLst>
+  </p:timing>
 </p:sld>
 </file>
 
@@ -16770,6 +16840,13 @@
   <p:transition spd="slow">
     <p:cut/>
   </p:transition>
+  <p:timing>
+    <p:tnLst>
+      <p:par>
+        <p:cTn id="1" dur="indefinite" restart="never" nodeType="tmRoot"/>
+      </p:par>
+    </p:tnLst>
+  </p:timing>
 </p:sld>
 </file>
 
@@ -17140,6 +17217,13 @@
   <p:transition spd="slow">
     <p:cut/>
   </p:transition>
+  <p:timing>
+    <p:tnLst>
+      <p:par>
+        <p:cTn id="1" dur="indefinite" restart="never" nodeType="tmRoot"/>
+      </p:par>
+    </p:tnLst>
+  </p:timing>
 </p:sld>
 </file>
 
@@ -17481,6 +17565,13 @@
   <p:transition spd="slow">
     <p:cut/>
   </p:transition>
+  <p:timing>
+    <p:tnLst>
+      <p:par>
+        <p:cTn id="1" dur="indefinite" restart="never" nodeType="tmRoot"/>
+      </p:par>
+    </p:tnLst>
+  </p:timing>
 </p:sld>
 </file>
 
@@ -17922,6 +18013,13 @@
   <p:transition spd="slow">
     <p:cut/>
   </p:transition>
+  <p:timing>
+    <p:tnLst>
+      <p:par>
+        <p:cTn id="1" dur="indefinite" restart="never" nodeType="tmRoot"/>
+      </p:par>
+    </p:tnLst>
+  </p:timing>
 </p:sld>
 </file>
 
@@ -18092,6 +18190,13 @@
   <p:transition spd="slow">
     <p:cut/>
   </p:transition>
+  <p:timing>
+    <p:tnLst>
+      <p:par>
+        <p:cTn id="1" dur="indefinite" restart="never" nodeType="tmRoot"/>
+      </p:par>
+    </p:tnLst>
+  </p:timing>
 </p:sld>
 </file>
 
@@ -18523,6 +18628,13 @@
   <p:transition spd="slow">
     <p:cut/>
   </p:transition>
+  <p:timing>
+    <p:tnLst>
+      <p:par>
+        <p:cTn id="1" dur="indefinite" restart="never" nodeType="tmRoot"/>
+      </p:par>
+    </p:tnLst>
+  </p:timing>
 </p:sld>
 </file>
 
@@ -19011,6 +19123,13 @@
   <p:transition spd="slow">
     <p:cut/>
   </p:transition>
+  <p:timing>
+    <p:tnLst>
+      <p:par>
+        <p:cTn id="1" dur="indefinite" restart="never" nodeType="tmRoot"/>
+      </p:par>
+    </p:tnLst>
+  </p:timing>
 </p:sld>
 </file>
 
@@ -19587,6 +19706,13 @@
   <p:transition spd="slow">
     <p:cut/>
   </p:transition>
+  <p:timing>
+    <p:tnLst>
+      <p:par>
+        <p:cTn id="1" dur="indefinite" restart="never" nodeType="tmRoot"/>
+      </p:par>
+    </p:tnLst>
+  </p:timing>
 </p:sld>
 </file>
 
@@ -20139,6 +20265,13 @@
   <p:transition spd="slow">
     <p:cut/>
   </p:transition>
+  <p:timing>
+    <p:tnLst>
+      <p:par>
+        <p:cTn id="1" dur="indefinite" restart="never" nodeType="tmRoot"/>
+      </p:par>
+    </p:tnLst>
+  </p:timing>
 </p:sld>
 </file>
 
@@ -20740,6 +20873,13 @@
   <p:transition spd="slow">
     <p:cut/>
   </p:transition>
+  <p:timing>
+    <p:tnLst>
+      <p:par>
+        <p:cTn id="1" dur="indefinite" restart="never" nodeType="tmRoot"/>
+      </p:par>
+    </p:tnLst>
+  </p:timing>
 </p:sld>
 </file>
 
@@ -21485,6 +21625,13 @@
   <p:transition spd="slow">
     <p:cut/>
   </p:transition>
+  <p:timing>
+    <p:tnLst>
+      <p:par>
+        <p:cTn id="1" dur="indefinite" restart="never" nodeType="tmRoot"/>
+      </p:par>
+    </p:tnLst>
+  </p:timing>
 </p:sld>
 </file>
 
@@ -22183,6 +22330,13 @@
   <p:transition spd="slow">
     <p:cut/>
   </p:transition>
+  <p:timing>
+    <p:tnLst>
+      <p:par>
+        <p:cTn id="1" dur="indefinite" restart="never" nodeType="tmRoot"/>
+      </p:par>
+    </p:tnLst>
+  </p:timing>
 </p:sld>
 </file>
 
@@ -22560,6 +22714,13 @@
   <p:transition spd="slow">
     <p:cut/>
   </p:transition>
+  <p:timing>
+    <p:tnLst>
+      <p:par>
+        <p:cTn id="1" dur="indefinite" restart="never" nodeType="tmRoot"/>
+      </p:par>
+    </p:tnLst>
+  </p:timing>
 </p:sld>
 </file>
 
@@ -23209,6 +23370,13 @@
   <p:transition spd="slow">
     <p:cut/>
   </p:transition>
+  <p:timing>
+    <p:tnLst>
+      <p:par>
+        <p:cTn id="1" dur="indefinite" restart="never" nodeType="tmRoot"/>
+      </p:par>
+    </p:tnLst>
+  </p:timing>
 </p:sld>
 </file>
 
@@ -23449,6 +23617,13 @@
   <p:transition spd="slow">
     <p:cut/>
   </p:transition>
+  <p:timing>
+    <p:tnLst>
+      <p:par>
+        <p:cTn id="1" dur="indefinite" restart="never" nodeType="tmRoot"/>
+      </p:par>
+    </p:tnLst>
+  </p:timing>
 </p:sld>
 </file>
 
@@ -23662,6 +23837,13 @@
   <p:transition spd="slow">
     <p:cut/>
   </p:transition>
+  <p:timing>
+    <p:tnLst>
+      <p:par>
+        <p:cTn id="1" dur="indefinite" restart="never" nodeType="tmRoot"/>
+      </p:par>
+    </p:tnLst>
+  </p:timing>
 </p:sld>
 </file>
 
@@ -24006,6 +24188,13 @@
   <p:transition spd="slow">
     <p:cut/>
   </p:transition>
+  <p:timing>
+    <p:tnLst>
+      <p:par>
+        <p:cTn id="1" dur="indefinite" restart="never" nodeType="tmRoot"/>
+      </p:par>
+    </p:tnLst>
+  </p:timing>
 </p:sld>
 </file>
 
@@ -24601,6 +24790,13 @@
   <p:transition spd="slow">
     <p:cut/>
   </p:transition>
+  <p:timing>
+    <p:tnLst>
+      <p:par>
+        <p:cTn id="1" dur="indefinite" restart="never" nodeType="tmRoot"/>
+      </p:par>
+    </p:tnLst>
+  </p:timing>
 </p:sld>
 </file>
 
@@ -25130,6 +25326,13 @@
   <p:transition spd="slow">
     <p:cut/>
   </p:transition>
+  <p:timing>
+    <p:tnLst>
+      <p:par>
+        <p:cTn id="1" dur="indefinite" restart="never" nodeType="tmRoot"/>
+      </p:par>
+    </p:tnLst>
+  </p:timing>
 </p:sld>
 </file>
 
@@ -25694,6 +25897,13 @@
   <p:transition spd="slow">
     <p:cut/>
   </p:transition>
+  <p:timing>
+    <p:tnLst>
+      <p:par>
+        <p:cTn id="1" dur="indefinite" restart="never" nodeType="tmRoot"/>
+      </p:par>
+    </p:tnLst>
+  </p:timing>
 </p:sld>
 </file>
 
@@ -26930,6 +27140,13 @@
   <p:transition spd="slow">
     <p:cut/>
   </p:transition>
+  <p:timing>
+    <p:tnLst>
+      <p:par>
+        <p:cTn id="1" dur="indefinite" restart="never" nodeType="tmRoot"/>
+      </p:par>
+    </p:tnLst>
+  </p:timing>
 </p:sld>
 </file>
 
@@ -27462,6 +27679,13 @@
   <p:transition spd="slow">
     <p:cut/>
   </p:transition>
+  <p:timing>
+    <p:tnLst>
+      <p:par>
+        <p:cTn id="1" dur="indefinite" restart="never" nodeType="tmRoot"/>
+      </p:par>
+    </p:tnLst>
+  </p:timing>
 </p:sld>
 </file>
 
@@ -27661,16 +27885,10 @@
             </a:endParaRPr>
           </a:p>
           <a:p>
-            <a:pPr marL="342900" marR="0" lvl="0" indent="-342900" algn="l" rtl="0">
+            <a:pPr marL="342900" lvl="0" indent="-342900">
               <a:lnSpc>
                 <a:spcPct val="150000"/>
               </a:lnSpc>
-              <a:spcBef>
-                <a:spcPts val="0"/>
-              </a:spcBef>
-              <a:spcAft>
-                <a:spcPts val="0"/>
-              </a:spcAft>
               <a:buClr>
                 <a:srgbClr val="552438"/>
               </a:buClr>
@@ -27688,8 +27906,33 @@
                 <a:cs typeface="Open Sans"/>
                 <a:sym typeface="Open Sans"/>
               </a:rPr>
-              <a:t>Java is a type of coffee</a:t>
+              <a:t>Java is a type of </a:t>
             </a:r>
+            <a:r>
+              <a:rPr lang="en-US" sz="2000" b="0" i="0" u="none" strike="noStrike" cap="none" baseline="0" dirty="0" smtClean="0">
+                <a:solidFill>
+                  <a:schemeClr val="dk1"/>
+                </a:solidFill>
+                <a:latin typeface="Open Sans"/>
+                <a:ea typeface="Open Sans"/>
+                <a:cs typeface="Open Sans"/>
+                <a:sym typeface="Open Sans"/>
+              </a:rPr>
+              <a:t>coffee (</a:t>
+            </a:r>
+            <a:r>
+              <a:rPr lang="en-US" sz="2000" dirty="0" smtClean="0"/>
+              <a:t>Indonesian)</a:t>
+            </a:r>
+            <a:endParaRPr lang="en-US" sz="2000" b="0" i="0" u="none" strike="noStrike" cap="none" baseline="0" dirty="0">
+              <a:solidFill>
+                <a:schemeClr val="dk1"/>
+              </a:solidFill>
+              <a:latin typeface="Open Sans"/>
+              <a:ea typeface="Open Sans"/>
+              <a:cs typeface="Open Sans"/>
+              <a:sym typeface="Open Sans"/>
+            </a:endParaRPr>
           </a:p>
           <a:p>
             <a:pPr marL="342900" marR="0" lvl="0" indent="-342900" algn="l" rtl="0">
@@ -28040,6 +28283,13 @@
   <p:transition spd="slow">
     <p:cut/>
   </p:transition>
+  <p:timing>
+    <p:tnLst>
+      <p:par>
+        <p:cTn id="1" dur="indefinite" restart="never" nodeType="tmRoot"/>
+      </p:par>
+    </p:tnLst>
+  </p:timing>
 </p:sld>
 </file>
 
@@ -28085,8 +28335,8 @@
         </p:nvSpPr>
         <p:spPr>
           <a:xfrm>
-            <a:off x="1547812" y="549275"/>
-            <a:ext cx="8137525" cy="1150936"/>
+            <a:off x="1547813" y="549275"/>
+            <a:ext cx="7215188" cy="1150936"/>
           </a:xfrm>
           <a:prstGeom prst="rect">
             <a:avLst/>
@@ -28601,7 +28851,7 @@
         </p:blipFill>
         <p:spPr bwMode="auto">
           <a:xfrm>
-            <a:off x="1752600" y="5029200"/>
+            <a:off x="2590801" y="5126815"/>
             <a:ext cx="6095999" cy="1654985"/>
           </a:xfrm>
           <a:prstGeom prst="rect">
@@ -28624,6 +28874,13 @@
   <p:transition spd="slow">
     <p:cut/>
   </p:transition>
+  <p:timing>
+    <p:tnLst>
+      <p:par>
+        <p:cTn id="1" dur="indefinite" restart="never" nodeType="tmRoot"/>
+      </p:par>
+    </p:tnLst>
+  </p:timing>
 </p:sld>
 </file>
 
@@ -29335,6 +29592,13 @@
   <p:transition spd="slow">
     <p:cut/>
   </p:transition>
+  <p:timing>
+    <p:tnLst>
+      <p:par>
+        <p:cTn id="1" dur="indefinite" restart="never" nodeType="tmRoot"/>
+      </p:par>
+    </p:tnLst>
+  </p:timing>
 </p:sld>
 </file>
 
@@ -31031,6 +31295,13 @@
   <p:transition spd="slow">
     <p:cut/>
   </p:transition>
+  <p:timing>
+    <p:tnLst>
+      <p:par>
+        <p:cTn id="1" dur="indefinite" restart="never" nodeType="tmRoot"/>
+      </p:par>
+    </p:tnLst>
+  </p:timing>
 </p:sld>
 </file>
 
